--- a/docs/exredux.pptx
+++ b/docs/exredux.pptx
@@ -274,7 +274,7 @@
           <a:p>
             <a:fld id="{CB3868CF-8F7E-410F-83F7-DCD3A0A1A8F0}" type="datetimeFigureOut">
               <a:rPr lang="pt-BR" smtClean="0"/>
-              <a:t>07/05/2019</a:t>
+              <a:t>23/01/2020</a:t>
             </a:fld>
             <a:endParaRPr lang="pt-BR"/>
           </a:p>
@@ -472,7 +472,7 @@
           <a:p>
             <a:fld id="{CB3868CF-8F7E-410F-83F7-DCD3A0A1A8F0}" type="datetimeFigureOut">
               <a:rPr lang="pt-BR" smtClean="0"/>
-              <a:t>07/05/2019</a:t>
+              <a:t>23/01/2020</a:t>
             </a:fld>
             <a:endParaRPr lang="pt-BR"/>
           </a:p>
@@ -680,7 +680,7 @@
           <a:p>
             <a:fld id="{CB3868CF-8F7E-410F-83F7-DCD3A0A1A8F0}" type="datetimeFigureOut">
               <a:rPr lang="pt-BR" smtClean="0"/>
-              <a:t>07/05/2019</a:t>
+              <a:t>23/01/2020</a:t>
             </a:fld>
             <a:endParaRPr lang="pt-BR"/>
           </a:p>
@@ -878,7 +878,7 @@
           <a:p>
             <a:fld id="{CB3868CF-8F7E-410F-83F7-DCD3A0A1A8F0}" type="datetimeFigureOut">
               <a:rPr lang="pt-BR" smtClean="0"/>
-              <a:t>07/05/2019</a:t>
+              <a:t>23/01/2020</a:t>
             </a:fld>
             <a:endParaRPr lang="pt-BR"/>
           </a:p>
@@ -1153,7 +1153,7 @@
           <a:p>
             <a:fld id="{CB3868CF-8F7E-410F-83F7-DCD3A0A1A8F0}" type="datetimeFigureOut">
               <a:rPr lang="pt-BR" smtClean="0"/>
-              <a:t>07/05/2019</a:t>
+              <a:t>23/01/2020</a:t>
             </a:fld>
             <a:endParaRPr lang="pt-BR"/>
           </a:p>
@@ -1418,7 +1418,7 @@
           <a:p>
             <a:fld id="{CB3868CF-8F7E-410F-83F7-DCD3A0A1A8F0}" type="datetimeFigureOut">
               <a:rPr lang="pt-BR" smtClean="0"/>
-              <a:t>07/05/2019</a:t>
+              <a:t>23/01/2020</a:t>
             </a:fld>
             <a:endParaRPr lang="pt-BR"/>
           </a:p>
@@ -1830,7 +1830,7 @@
           <a:p>
             <a:fld id="{CB3868CF-8F7E-410F-83F7-DCD3A0A1A8F0}" type="datetimeFigureOut">
               <a:rPr lang="pt-BR" smtClean="0"/>
-              <a:t>07/05/2019</a:t>
+              <a:t>23/01/2020</a:t>
             </a:fld>
             <a:endParaRPr lang="pt-BR"/>
           </a:p>
@@ -1971,7 +1971,7 @@
           <a:p>
             <a:fld id="{CB3868CF-8F7E-410F-83F7-DCD3A0A1A8F0}" type="datetimeFigureOut">
               <a:rPr lang="pt-BR" smtClean="0"/>
-              <a:t>07/05/2019</a:t>
+              <a:t>23/01/2020</a:t>
             </a:fld>
             <a:endParaRPr lang="pt-BR"/>
           </a:p>
@@ -2084,7 +2084,7 @@
           <a:p>
             <a:fld id="{CB3868CF-8F7E-410F-83F7-DCD3A0A1A8F0}" type="datetimeFigureOut">
               <a:rPr lang="pt-BR" smtClean="0"/>
-              <a:t>07/05/2019</a:t>
+              <a:t>23/01/2020</a:t>
             </a:fld>
             <a:endParaRPr lang="pt-BR"/>
           </a:p>
@@ -2395,7 +2395,7 @@
           <a:p>
             <a:fld id="{CB3868CF-8F7E-410F-83F7-DCD3A0A1A8F0}" type="datetimeFigureOut">
               <a:rPr lang="pt-BR" smtClean="0"/>
-              <a:t>07/05/2019</a:t>
+              <a:t>23/01/2020</a:t>
             </a:fld>
             <a:endParaRPr lang="pt-BR"/>
           </a:p>
@@ -2683,7 +2683,7 @@
           <a:p>
             <a:fld id="{CB3868CF-8F7E-410F-83F7-DCD3A0A1A8F0}" type="datetimeFigureOut">
               <a:rPr lang="pt-BR" smtClean="0"/>
-              <a:t>07/05/2019</a:t>
+              <a:t>23/01/2020</a:t>
             </a:fld>
             <a:endParaRPr lang="pt-BR"/>
           </a:p>
@@ -2924,7 +2924,7 @@
           <a:p>
             <a:fld id="{CB3868CF-8F7E-410F-83F7-DCD3A0A1A8F0}" type="datetimeFigureOut">
               <a:rPr lang="pt-BR" smtClean="0"/>
-              <a:t>07/05/2019</a:t>
+              <a:t>23/01/2020</a:t>
             </a:fld>
             <a:endParaRPr lang="pt-BR"/>
           </a:p>
@@ -3762,7 +3762,7 @@
             <a:pPr algn="ctr"/>
             <a:r>
               <a:rPr lang="pt-BR" dirty="0" err="1"/>
-              <a:t>Redux</a:t>
+              <a:t>Context</a:t>
             </a:r>
             <a:r>
               <a:rPr lang="pt-BR" dirty="0"/>
